--- a/team/TBD.pptx
+++ b/team/TBD.pptx
@@ -7,6 +7,10 @@
   <p:sldIdLst>
     <p:sldId id="256" r:id="rId2"/>
     <p:sldId id="258" r:id="rId3"/>
+    <p:sldId id="259" r:id="rId4"/>
+    <p:sldId id="260" r:id="rId5"/>
+    <p:sldId id="261" r:id="rId6"/>
+    <p:sldId id="262" r:id="rId7"/>
   </p:sldIdLst>
   <p:sldSz cx="12192000" cy="6858000"/>
   <p:notesSz cx="6858000" cy="9144000"/>
@@ -116,7 +120,7 @@
 <file path=ppt/revisionInfo.xml><?xml version="1.0" encoding="utf-8"?>
 <p1510:revInfo xmlns:a="http://schemas.openxmlformats.org/drawingml/2006/main" xmlns:r="http://schemas.openxmlformats.org/officeDocument/2006/relationships" xmlns:p1510="http://schemas.microsoft.com/office/powerpoint/2015/10/main">
   <p1510:revLst>
-    <p1510:client id="{D91A9E9C-60E0-4998-8500-2373DC51CE5B}" v="1" dt="2023-02-17T22:11:58.706"/>
+    <p1510:client id="{D91A9E9C-60E0-4998-8500-2373DC51CE5B}" v="14" dt="2023-02-17T23:40:05.337"/>
     <p1510:client id="{F089F07C-134C-4058-8293-2E357A581D0C}" v="4" dt="2023-02-17T05:11:18.873"/>
   </p1510:revLst>
 </p1510:revInfo>
@@ -127,7 +131,7 @@
   <pc:docChgLst>
     <pc:chgData name="Hamidreza Moradi" userId="3ecce25f-930d-409f-be24-0620a33553d5" providerId="ADAL" clId="{D91A9E9C-60E0-4998-8500-2373DC51CE5B}"/>
     <pc:docChg chg="undo custSel addSld delSld modSld">
-      <pc:chgData name="Hamidreza Moradi" userId="3ecce25f-930d-409f-be24-0620a33553d5" providerId="ADAL" clId="{D91A9E9C-60E0-4998-8500-2373DC51CE5B}" dt="2023-02-17T22:19:20.774" v="14" actId="47"/>
+      <pc:chgData name="Hamidreza Moradi" userId="3ecce25f-930d-409f-be24-0620a33553d5" providerId="ADAL" clId="{D91A9E9C-60E0-4998-8500-2373DC51CE5B}" dt="2023-02-17T23:40:27.697" v="123" actId="1076"/>
       <pc:docMkLst>
         <pc:docMk/>
       </pc:docMkLst>
@@ -175,6 +179,154 @@
           <pc:docMk/>
           <pc:sldMk cId="346218620" sldId="259"/>
         </pc:sldMkLst>
+      </pc:sldChg>
+      <pc:sldChg chg="addSp delSp modSp new mod">
+        <pc:chgData name="Hamidreza Moradi" userId="3ecce25f-930d-409f-be24-0620a33553d5" providerId="ADAL" clId="{D91A9E9C-60E0-4998-8500-2373DC51CE5B}" dt="2023-02-17T23:37:36.327" v="80" actId="1076"/>
+        <pc:sldMkLst>
+          <pc:docMk/>
+          <pc:sldMk cId="3375693423" sldId="259"/>
+        </pc:sldMkLst>
+        <pc:picChg chg="add mod">
+          <ac:chgData name="Hamidreza Moradi" userId="3ecce25f-930d-409f-be24-0620a33553d5" providerId="ADAL" clId="{D91A9E9C-60E0-4998-8500-2373DC51CE5B}" dt="2023-02-17T23:37:36.327" v="80" actId="1076"/>
+          <ac:picMkLst>
+            <pc:docMk/>
+            <pc:sldMk cId="3375693423" sldId="259"/>
+            <ac:picMk id="3" creationId="{316C55C0-4249-B782-0EC4-979521DF70F8}"/>
+          </ac:picMkLst>
+        </pc:picChg>
+        <pc:picChg chg="add del mod modCrop">
+          <ac:chgData name="Hamidreza Moradi" userId="3ecce25f-930d-409f-be24-0620a33553d5" providerId="ADAL" clId="{D91A9E9C-60E0-4998-8500-2373DC51CE5B}" dt="2023-02-17T23:34:34.518" v="49" actId="21"/>
+          <ac:picMkLst>
+            <pc:docMk/>
+            <pc:sldMk cId="3375693423" sldId="259"/>
+            <ac:picMk id="5" creationId="{0AC7F598-C0EC-B144-3E93-88B1CE25567D}"/>
+          </ac:picMkLst>
+        </pc:picChg>
+        <pc:picChg chg="add del mod modCrop">
+          <ac:chgData name="Hamidreza Moradi" userId="3ecce25f-930d-409f-be24-0620a33553d5" providerId="ADAL" clId="{D91A9E9C-60E0-4998-8500-2373DC51CE5B}" dt="2023-02-17T23:34:34.518" v="49" actId="21"/>
+          <ac:picMkLst>
+            <pc:docMk/>
+            <pc:sldMk cId="3375693423" sldId="259"/>
+            <ac:picMk id="7" creationId="{E10BD836-6B5E-0B29-97DD-BCA08DA70F5B}"/>
+          </ac:picMkLst>
+        </pc:picChg>
+        <pc:picChg chg="add del mod modCrop">
+          <ac:chgData name="Hamidreza Moradi" userId="3ecce25f-930d-409f-be24-0620a33553d5" providerId="ADAL" clId="{D91A9E9C-60E0-4998-8500-2373DC51CE5B}" dt="2023-02-17T23:34:34.518" v="49" actId="21"/>
+          <ac:picMkLst>
+            <pc:docMk/>
+            <pc:sldMk cId="3375693423" sldId="259"/>
+            <ac:picMk id="9" creationId="{EC799C39-780C-E0C3-9DCA-F6C021775A12}"/>
+          </ac:picMkLst>
+        </pc:picChg>
+        <pc:picChg chg="add mod modCrop">
+          <ac:chgData name="Hamidreza Moradi" userId="3ecce25f-930d-409f-be24-0620a33553d5" providerId="ADAL" clId="{D91A9E9C-60E0-4998-8500-2373DC51CE5B}" dt="2023-02-17T23:37:33.290" v="79" actId="1076"/>
+          <ac:picMkLst>
+            <pc:docMk/>
+            <pc:sldMk cId="3375693423" sldId="259"/>
+            <ac:picMk id="11" creationId="{9A9411B9-521C-9897-F0F2-6D46EE599E27}"/>
+          </ac:picMkLst>
+        </pc:picChg>
+        <pc:picChg chg="add mod modCrop">
+          <ac:chgData name="Hamidreza Moradi" userId="3ecce25f-930d-409f-be24-0620a33553d5" providerId="ADAL" clId="{D91A9E9C-60E0-4998-8500-2373DC51CE5B}" dt="2023-02-17T23:37:16.513" v="75" actId="1076"/>
+          <ac:picMkLst>
+            <pc:docMk/>
+            <pc:sldMk cId="3375693423" sldId="259"/>
+            <ac:picMk id="13" creationId="{B87FBFEB-3D87-D495-E8DA-A59DE53E01B3}"/>
+          </ac:picMkLst>
+        </pc:picChg>
+      </pc:sldChg>
+      <pc:sldChg chg="addSp modSp new mod">
+        <pc:chgData name="Hamidreza Moradi" userId="3ecce25f-930d-409f-be24-0620a33553d5" providerId="ADAL" clId="{D91A9E9C-60E0-4998-8500-2373DC51CE5B}" dt="2023-02-17T23:37:48.223" v="84" actId="1076"/>
+        <pc:sldMkLst>
+          <pc:docMk/>
+          <pc:sldMk cId="2581087762" sldId="260"/>
+        </pc:sldMkLst>
+        <pc:picChg chg="add mod">
+          <ac:chgData name="Hamidreza Moradi" userId="3ecce25f-930d-409f-be24-0620a33553d5" providerId="ADAL" clId="{D91A9E9C-60E0-4998-8500-2373DC51CE5B}" dt="2023-02-17T23:37:42.846" v="82" actId="1076"/>
+          <ac:picMkLst>
+            <pc:docMk/>
+            <pc:sldMk cId="2581087762" sldId="260"/>
+            <ac:picMk id="2" creationId="{05AE513B-4829-557A-07B9-CEDD8A209C0E}"/>
+          </ac:picMkLst>
+        </pc:picChg>
+        <pc:picChg chg="add mod">
+          <ac:chgData name="Hamidreza Moradi" userId="3ecce25f-930d-409f-be24-0620a33553d5" providerId="ADAL" clId="{D91A9E9C-60E0-4998-8500-2373DC51CE5B}" dt="2023-02-17T23:37:46.048" v="83" actId="1076"/>
+          <ac:picMkLst>
+            <pc:docMk/>
+            <pc:sldMk cId="2581087762" sldId="260"/>
+            <ac:picMk id="3" creationId="{F96EF267-1630-F3BB-9FDB-E38D33FFCFDE}"/>
+          </ac:picMkLst>
+        </pc:picChg>
+        <pc:picChg chg="add mod">
+          <ac:chgData name="Hamidreza Moradi" userId="3ecce25f-930d-409f-be24-0620a33553d5" providerId="ADAL" clId="{D91A9E9C-60E0-4998-8500-2373DC51CE5B}" dt="2023-02-17T23:37:48.223" v="84" actId="1076"/>
+          <ac:picMkLst>
+            <pc:docMk/>
+            <pc:sldMk cId="2581087762" sldId="260"/>
+            <ac:picMk id="4" creationId="{6B2AA1A2-D7E4-F88D-7952-69547A750B9A}"/>
+          </ac:picMkLst>
+        </pc:picChg>
+      </pc:sldChg>
+      <pc:sldChg chg="addSp delSp modSp new mod">
+        <pc:chgData name="Hamidreza Moradi" userId="3ecce25f-930d-409f-be24-0620a33553d5" providerId="ADAL" clId="{D91A9E9C-60E0-4998-8500-2373DC51CE5B}" dt="2023-02-17T23:39:52.671" v="112" actId="1076"/>
+        <pc:sldMkLst>
+          <pc:docMk/>
+          <pc:sldMk cId="1818490233" sldId="261"/>
+        </pc:sldMkLst>
+        <pc:picChg chg="add del mod">
+          <ac:chgData name="Hamidreza Moradi" userId="3ecce25f-930d-409f-be24-0620a33553d5" providerId="ADAL" clId="{D91A9E9C-60E0-4998-8500-2373DC51CE5B}" dt="2023-02-17T23:38:18.823" v="94" actId="478"/>
+          <ac:picMkLst>
+            <pc:docMk/>
+            <pc:sldMk cId="1818490233" sldId="261"/>
+            <ac:picMk id="2" creationId="{BD7A7FEB-6E8D-DE0F-98D9-AAA9B21EE8AD}"/>
+          </ac:picMkLst>
+        </pc:picChg>
+        <pc:picChg chg="add mod modCrop">
+          <ac:chgData name="Hamidreza Moradi" userId="3ecce25f-930d-409f-be24-0620a33553d5" providerId="ADAL" clId="{D91A9E9C-60E0-4998-8500-2373DC51CE5B}" dt="2023-02-17T23:38:21.951" v="95" actId="1076"/>
+          <ac:picMkLst>
+            <pc:docMk/>
+            <pc:sldMk cId="1818490233" sldId="261"/>
+            <ac:picMk id="4" creationId="{3756248F-283A-188B-A79F-53F6BED9C39D}"/>
+          </ac:picMkLst>
+        </pc:picChg>
+        <pc:picChg chg="add mod modCrop">
+          <ac:chgData name="Hamidreza Moradi" userId="3ecce25f-930d-409f-be24-0620a33553d5" providerId="ADAL" clId="{D91A9E9C-60E0-4998-8500-2373DC51CE5B}" dt="2023-02-17T23:38:47.032" v="103" actId="1076"/>
+          <ac:picMkLst>
+            <pc:docMk/>
+            <pc:sldMk cId="1818490233" sldId="261"/>
+            <ac:picMk id="6" creationId="{B25F53F0-BFD2-79CA-B58C-48EADD4068E4}"/>
+          </ac:picMkLst>
+        </pc:picChg>
+        <pc:picChg chg="add mod modCrop">
+          <ac:chgData name="Hamidreza Moradi" userId="3ecce25f-930d-409f-be24-0620a33553d5" providerId="ADAL" clId="{D91A9E9C-60E0-4998-8500-2373DC51CE5B}" dt="2023-02-17T23:39:52.671" v="112" actId="1076"/>
+          <ac:picMkLst>
+            <pc:docMk/>
+            <pc:sldMk cId="1818490233" sldId="261"/>
+            <ac:picMk id="8" creationId="{09EF04C8-E484-0767-D86C-6E9F7D739360}"/>
+          </ac:picMkLst>
+        </pc:picChg>
+      </pc:sldChg>
+      <pc:sldChg chg="addSp delSp modSp new mod">
+        <pc:chgData name="Hamidreza Moradi" userId="3ecce25f-930d-409f-be24-0620a33553d5" providerId="ADAL" clId="{D91A9E9C-60E0-4998-8500-2373DC51CE5B}" dt="2023-02-17T23:40:27.697" v="123" actId="1076"/>
+        <pc:sldMkLst>
+          <pc:docMk/>
+          <pc:sldMk cId="3691271417" sldId="262"/>
+        </pc:sldMkLst>
+        <pc:picChg chg="add del mod">
+          <ac:chgData name="Hamidreza Moradi" userId="3ecce25f-930d-409f-be24-0620a33553d5" providerId="ADAL" clId="{D91A9E9C-60E0-4998-8500-2373DC51CE5B}" dt="2023-02-17T23:40:24.958" v="122" actId="478"/>
+          <ac:picMkLst>
+            <pc:docMk/>
+            <pc:sldMk cId="3691271417" sldId="262"/>
+            <ac:picMk id="2" creationId="{29E3DC6D-969E-9802-4310-AFCEB807CBE1}"/>
+          </ac:picMkLst>
+        </pc:picChg>
+        <pc:picChg chg="add mod modCrop">
+          <ac:chgData name="Hamidreza Moradi" userId="3ecce25f-930d-409f-be24-0620a33553d5" providerId="ADAL" clId="{D91A9E9C-60E0-4998-8500-2373DC51CE5B}" dt="2023-02-17T23:40:27.697" v="123" actId="1076"/>
+          <ac:picMkLst>
+            <pc:docMk/>
+            <pc:sldMk cId="3691271417" sldId="262"/>
+            <ac:picMk id="4" creationId="{BD76DB77-C986-5E6B-C960-55A014548A2B}"/>
+          </ac:picMkLst>
+        </pc:picChg>
       </pc:sldChg>
     </pc:docChg>
   </pc:docChgLst>
@@ -3638,6 +3790,477 @@
 </p:sld>
 </file>
 
+<file path=ppt/slides/slide3.xml><?xml version="1.0" encoding="utf-8"?>
+<p:sld xmlns:a="http://schemas.openxmlformats.org/drawingml/2006/main" xmlns:r="http://schemas.openxmlformats.org/officeDocument/2006/relationships" xmlns:p="http://schemas.openxmlformats.org/presentationml/2006/main">
+  <p:cSld>
+    <p:spTree>
+      <p:nvGrpSpPr>
+        <p:cNvPr id="1" name=""/>
+        <p:cNvGrpSpPr/>
+        <p:nvPr/>
+      </p:nvGrpSpPr>
+      <p:grpSpPr>
+        <a:xfrm>
+          <a:off x="0" y="0"/>
+          <a:ext cx="0" cy="0"/>
+          <a:chOff x="0" y="0"/>
+          <a:chExt cx="0" cy="0"/>
+        </a:xfrm>
+      </p:grpSpPr>
+      <p:pic>
+        <p:nvPicPr>
+          <p:cNvPr id="3" name="Picture 2" descr="A person with a mustache&#10;&#10;Description automatically generated with medium confidence">
+            <a:extLst>
+              <a:ext uri="{FF2B5EF4-FFF2-40B4-BE49-F238E27FC236}">
+                <a16:creationId xmlns:a16="http://schemas.microsoft.com/office/drawing/2014/main" id="{316C55C0-4249-B782-0EC4-979521DF70F8}"/>
+              </a:ext>
+            </a:extLst>
+          </p:cNvPr>
+          <p:cNvPicPr>
+            <a:picLocks noChangeAspect="1"/>
+          </p:cNvPicPr>
+          <p:nvPr/>
+        </p:nvPicPr>
+        <p:blipFill>
+          <a:blip r:embed="rId2">
+            <a:extLst>
+              <a:ext uri="{28A0092B-C50C-407E-A947-70E740481C1C}">
+                <a14:useLocalDpi xmlns:a14="http://schemas.microsoft.com/office/drawing/2010/main" val="0"/>
+              </a:ext>
+            </a:extLst>
+          </a:blip>
+          <a:stretch>
+            <a:fillRect/>
+          </a:stretch>
+        </p:blipFill>
+        <p:spPr>
+          <a:xfrm>
+            <a:off x="4293451" y="219074"/>
+            <a:ext cx="3810000" cy="3810000"/>
+          </a:xfrm>
+          <a:prstGeom prst="rect">
+            <a:avLst/>
+          </a:prstGeom>
+        </p:spPr>
+      </p:pic>
+      <p:pic>
+        <p:nvPicPr>
+          <p:cNvPr id="11" name="Picture 10" descr="A person wearing glasses and a suit&#10;&#10;Description automatically generated with medium confidence">
+            <a:extLst>
+              <a:ext uri="{FF2B5EF4-FFF2-40B4-BE49-F238E27FC236}">
+                <a16:creationId xmlns:a16="http://schemas.microsoft.com/office/drawing/2014/main" id="{9A9411B9-521C-9897-F0F2-6D46EE599E27}"/>
+              </a:ext>
+            </a:extLst>
+          </p:cNvPr>
+          <p:cNvPicPr>
+            <a:picLocks noChangeAspect="1"/>
+          </p:cNvPicPr>
+          <p:nvPr/>
+        </p:nvPicPr>
+        <p:blipFill rotWithShape="1">
+          <a:blip r:embed="rId3">
+            <a:extLst>
+              <a:ext uri="{28A0092B-C50C-407E-A947-70E740481C1C}">
+                <a14:useLocalDpi xmlns:a14="http://schemas.microsoft.com/office/drawing/2010/main" val="0"/>
+              </a:ext>
+            </a:extLst>
+          </a:blip>
+          <a:srcRect l="4651"/>
+          <a:stretch/>
+        </p:blipFill>
+        <p:spPr>
+          <a:xfrm>
+            <a:off x="204902" y="219076"/>
+            <a:ext cx="3810000" cy="3809999"/>
+          </a:xfrm>
+          <a:prstGeom prst="rect">
+            <a:avLst/>
+          </a:prstGeom>
+        </p:spPr>
+      </p:pic>
+      <p:pic>
+        <p:nvPicPr>
+          <p:cNvPr id="13" name="Picture 12" descr="A person wearing glasses&#10;&#10;Description automatically generated with medium confidence">
+            <a:extLst>
+              <a:ext uri="{FF2B5EF4-FFF2-40B4-BE49-F238E27FC236}">
+                <a16:creationId xmlns:a16="http://schemas.microsoft.com/office/drawing/2014/main" id="{B87FBFEB-3D87-D495-E8DA-A59DE53E01B3}"/>
+              </a:ext>
+            </a:extLst>
+          </p:cNvPr>
+          <p:cNvPicPr>
+            <a:picLocks noChangeAspect="1"/>
+          </p:cNvPicPr>
+          <p:nvPr/>
+        </p:nvPicPr>
+        <p:blipFill rotWithShape="1">
+          <a:blip r:embed="rId4">
+            <a:extLst>
+              <a:ext uri="{28A0092B-C50C-407E-A947-70E740481C1C}">
+                <a14:useLocalDpi xmlns:a14="http://schemas.microsoft.com/office/drawing/2010/main" val="0"/>
+              </a:ext>
+            </a:extLst>
+          </a:blip>
+          <a:srcRect t="18153" r="17948" b="20308"/>
+          <a:stretch/>
+        </p:blipFill>
+        <p:spPr>
+          <a:xfrm>
+            <a:off x="8382000" y="219074"/>
+            <a:ext cx="3810000" cy="3810001"/>
+          </a:xfrm>
+          <a:prstGeom prst="rect">
+            <a:avLst/>
+          </a:prstGeom>
+        </p:spPr>
+      </p:pic>
+    </p:spTree>
+    <p:extLst>
+      <p:ext uri="{BB962C8B-B14F-4D97-AF65-F5344CB8AC3E}">
+        <p14:creationId xmlns:p14="http://schemas.microsoft.com/office/powerpoint/2010/main" val="3375693423"/>
+      </p:ext>
+    </p:extLst>
+  </p:cSld>
+  <p:clrMapOvr>
+    <a:masterClrMapping/>
+  </p:clrMapOvr>
+</p:sld>
+</file>
+
+<file path=ppt/slides/slide4.xml><?xml version="1.0" encoding="utf-8"?>
+<p:sld xmlns:a="http://schemas.openxmlformats.org/drawingml/2006/main" xmlns:r="http://schemas.openxmlformats.org/officeDocument/2006/relationships" xmlns:p="http://schemas.openxmlformats.org/presentationml/2006/main">
+  <p:cSld>
+    <p:spTree>
+      <p:nvGrpSpPr>
+        <p:cNvPr id="1" name=""/>
+        <p:cNvGrpSpPr/>
+        <p:nvPr/>
+      </p:nvGrpSpPr>
+      <p:grpSpPr>
+        <a:xfrm>
+          <a:off x="0" y="0"/>
+          <a:ext cx="0" cy="0"/>
+          <a:chOff x="0" y="0"/>
+          <a:chExt cx="0" cy="0"/>
+        </a:xfrm>
+      </p:grpSpPr>
+      <p:pic>
+        <p:nvPicPr>
+          <p:cNvPr id="2" name="Picture 1" descr="A picture containing person, indoor, wall, person&#10;&#10;Description automatically generated">
+            <a:extLst>
+              <a:ext uri="{FF2B5EF4-FFF2-40B4-BE49-F238E27FC236}">
+                <a16:creationId xmlns:a16="http://schemas.microsoft.com/office/drawing/2014/main" id="{05AE513B-4829-557A-07B9-CEDD8A209C0E}"/>
+              </a:ext>
+            </a:extLst>
+          </p:cNvPr>
+          <p:cNvPicPr>
+            <a:picLocks noChangeAspect="1"/>
+          </p:cNvPicPr>
+          <p:nvPr/>
+        </p:nvPicPr>
+        <p:blipFill rotWithShape="1">
+          <a:blip r:embed="rId2">
+            <a:extLst>
+              <a:ext uri="{28A0092B-C50C-407E-A947-70E740481C1C}">
+                <a14:useLocalDpi xmlns:a14="http://schemas.microsoft.com/office/drawing/2010/main" val="0"/>
+              </a:ext>
+            </a:extLst>
+          </a:blip>
+          <a:srcRect b="17628"/>
+          <a:stretch/>
+        </p:blipFill>
+        <p:spPr>
+          <a:xfrm>
+            <a:off x="145225" y="219075"/>
+            <a:ext cx="3810000" cy="3810000"/>
+          </a:xfrm>
+          <a:prstGeom prst="rect">
+            <a:avLst/>
+          </a:prstGeom>
+        </p:spPr>
+      </p:pic>
+      <p:pic>
+        <p:nvPicPr>
+          <p:cNvPr id="3" name="Picture 2" descr="A person wearing glasses&#10;&#10;Description automatically generated with medium confidence">
+            <a:extLst>
+              <a:ext uri="{FF2B5EF4-FFF2-40B4-BE49-F238E27FC236}">
+                <a16:creationId xmlns:a16="http://schemas.microsoft.com/office/drawing/2014/main" id="{F96EF267-1630-F3BB-9FDB-E38D33FFCFDE}"/>
+              </a:ext>
+            </a:extLst>
+          </p:cNvPr>
+          <p:cNvPicPr>
+            <a:picLocks noChangeAspect="1"/>
+          </p:cNvPicPr>
+          <p:nvPr/>
+        </p:nvPicPr>
+        <p:blipFill rotWithShape="1">
+          <a:blip r:embed="rId3">
+            <a:extLst>
+              <a:ext uri="{28A0092B-C50C-407E-A947-70E740481C1C}">
+                <a14:useLocalDpi xmlns:a14="http://schemas.microsoft.com/office/drawing/2010/main" val="0"/>
+              </a:ext>
+            </a:extLst>
+          </a:blip>
+          <a:srcRect t="4872" b="10381"/>
+          <a:stretch/>
+        </p:blipFill>
+        <p:spPr>
+          <a:xfrm>
+            <a:off x="4201702" y="219075"/>
+            <a:ext cx="3788596" cy="3810000"/>
+          </a:xfrm>
+          <a:prstGeom prst="rect">
+            <a:avLst/>
+          </a:prstGeom>
+        </p:spPr>
+      </p:pic>
+      <p:pic>
+        <p:nvPicPr>
+          <p:cNvPr id="4" name="Picture 3" descr="A person with blonde hair&#10;&#10;Description automatically generated with low confidence">
+            <a:extLst>
+              <a:ext uri="{FF2B5EF4-FFF2-40B4-BE49-F238E27FC236}">
+                <a16:creationId xmlns:a16="http://schemas.microsoft.com/office/drawing/2014/main" id="{6B2AA1A2-D7E4-F88D-7952-69547A750B9A}"/>
+              </a:ext>
+            </a:extLst>
+          </p:cNvPr>
+          <p:cNvPicPr>
+            <a:picLocks noChangeAspect="1"/>
+          </p:cNvPicPr>
+          <p:nvPr/>
+        </p:nvPicPr>
+        <p:blipFill rotWithShape="1">
+          <a:blip r:embed="rId4">
+            <a:extLst>
+              <a:ext uri="{28A0092B-C50C-407E-A947-70E740481C1C}">
+                <a14:useLocalDpi xmlns:a14="http://schemas.microsoft.com/office/drawing/2010/main" val="0"/>
+              </a:ext>
+            </a:extLst>
+          </a:blip>
+          <a:srcRect t="3394" b="21182"/>
+          <a:stretch/>
+        </p:blipFill>
+        <p:spPr>
+          <a:xfrm>
+            <a:off x="8164104" y="219075"/>
+            <a:ext cx="3788595" cy="3810000"/>
+          </a:xfrm>
+          <a:prstGeom prst="rect">
+            <a:avLst/>
+          </a:prstGeom>
+        </p:spPr>
+      </p:pic>
+    </p:spTree>
+    <p:extLst>
+      <p:ext uri="{BB962C8B-B14F-4D97-AF65-F5344CB8AC3E}">
+        <p14:creationId xmlns:p14="http://schemas.microsoft.com/office/powerpoint/2010/main" val="2581087762"/>
+      </p:ext>
+    </p:extLst>
+  </p:cSld>
+  <p:clrMapOvr>
+    <a:masterClrMapping/>
+  </p:clrMapOvr>
+</p:sld>
+</file>
+
+<file path=ppt/slides/slide5.xml><?xml version="1.0" encoding="utf-8"?>
+<p:sld xmlns:a="http://schemas.openxmlformats.org/drawingml/2006/main" xmlns:r="http://schemas.openxmlformats.org/officeDocument/2006/relationships" xmlns:p="http://schemas.openxmlformats.org/presentationml/2006/main">
+  <p:cSld>
+    <p:spTree>
+      <p:nvGrpSpPr>
+        <p:cNvPr id="1" name=""/>
+        <p:cNvGrpSpPr/>
+        <p:nvPr/>
+      </p:nvGrpSpPr>
+      <p:grpSpPr>
+        <a:xfrm>
+          <a:off x="0" y="0"/>
+          <a:ext cx="0" cy="0"/>
+          <a:chOff x="0" y="0"/>
+          <a:chExt cx="0" cy="0"/>
+        </a:xfrm>
+      </p:grpSpPr>
+      <p:pic>
+        <p:nvPicPr>
+          <p:cNvPr id="4" name="Picture 3" descr="A person wearing a pink shirt&#10;&#10;Description automatically generated">
+            <a:extLst>
+              <a:ext uri="{FF2B5EF4-FFF2-40B4-BE49-F238E27FC236}">
+                <a16:creationId xmlns:a16="http://schemas.microsoft.com/office/drawing/2014/main" id="{3756248F-283A-188B-A79F-53F6BED9C39D}"/>
+              </a:ext>
+            </a:extLst>
+          </p:cNvPr>
+          <p:cNvPicPr>
+            <a:picLocks noChangeAspect="1"/>
+          </p:cNvPicPr>
+          <p:nvPr/>
+        </p:nvPicPr>
+        <p:blipFill rotWithShape="1">
+          <a:blip r:embed="rId2">
+            <a:extLst>
+              <a:ext uri="{28A0092B-C50C-407E-A947-70E740481C1C}">
+                <a14:useLocalDpi xmlns:a14="http://schemas.microsoft.com/office/drawing/2010/main" val="0"/>
+              </a:ext>
+            </a:extLst>
+          </a:blip>
+          <a:srcRect r="1875"/>
+          <a:stretch/>
+        </p:blipFill>
+        <p:spPr>
+          <a:xfrm>
+            <a:off x="190500" y="133349"/>
+            <a:ext cx="3810000" cy="3809999"/>
+          </a:xfrm>
+          <a:prstGeom prst="rect">
+            <a:avLst/>
+          </a:prstGeom>
+        </p:spPr>
+      </p:pic>
+      <p:pic>
+        <p:nvPicPr>
+          <p:cNvPr id="6" name="Picture 5" descr="A person wearing glasses&#10;&#10;Description automatically generated with medium confidence">
+            <a:extLst>
+              <a:ext uri="{FF2B5EF4-FFF2-40B4-BE49-F238E27FC236}">
+                <a16:creationId xmlns:a16="http://schemas.microsoft.com/office/drawing/2014/main" id="{B25F53F0-BFD2-79CA-B58C-48EADD4068E4}"/>
+              </a:ext>
+            </a:extLst>
+          </p:cNvPr>
+          <p:cNvPicPr>
+            <a:picLocks noChangeAspect="1"/>
+          </p:cNvPicPr>
+          <p:nvPr/>
+        </p:nvPicPr>
+        <p:blipFill rotWithShape="1">
+          <a:blip r:embed="rId3">
+            <a:extLst>
+              <a:ext uri="{28A0092B-C50C-407E-A947-70E740481C1C}">
+                <a14:useLocalDpi xmlns:a14="http://schemas.microsoft.com/office/drawing/2010/main" val="0"/>
+              </a:ext>
+            </a:extLst>
+          </a:blip>
+          <a:srcRect b="13056"/>
+          <a:stretch/>
+        </p:blipFill>
+        <p:spPr>
+          <a:xfrm>
+            <a:off x="4257409" y="133349"/>
+            <a:ext cx="3810532" cy="3809999"/>
+          </a:xfrm>
+          <a:prstGeom prst="rect">
+            <a:avLst/>
+          </a:prstGeom>
+        </p:spPr>
+      </p:pic>
+      <p:pic>
+        <p:nvPicPr>
+          <p:cNvPr id="8" name="Picture 7" descr="A picture containing person, person, glasses, wall&#10;&#10;Description automatically generated">
+            <a:extLst>
+              <a:ext uri="{FF2B5EF4-FFF2-40B4-BE49-F238E27FC236}">
+                <a16:creationId xmlns:a16="http://schemas.microsoft.com/office/drawing/2014/main" id="{09EF04C8-E484-0767-D86C-6E9F7D739360}"/>
+              </a:ext>
+            </a:extLst>
+          </p:cNvPr>
+          <p:cNvPicPr>
+            <a:picLocks noChangeAspect="1"/>
+          </p:cNvPicPr>
+          <p:nvPr/>
+        </p:nvPicPr>
+        <p:blipFill rotWithShape="1">
+          <a:blip r:embed="rId4">
+            <a:extLst>
+              <a:ext uri="{28A0092B-C50C-407E-A947-70E740481C1C}">
+                <a14:useLocalDpi xmlns:a14="http://schemas.microsoft.com/office/drawing/2010/main" val="0"/>
+              </a:ext>
+            </a:extLst>
+          </a:blip>
+          <a:srcRect l="-14" t="14286" r="14"/>
+          <a:stretch/>
+        </p:blipFill>
+        <p:spPr>
+          <a:xfrm>
+            <a:off x="8324850" y="133348"/>
+            <a:ext cx="3809999" cy="3809999"/>
+          </a:xfrm>
+          <a:prstGeom prst="rect">
+            <a:avLst/>
+          </a:prstGeom>
+        </p:spPr>
+      </p:pic>
+    </p:spTree>
+    <p:extLst>
+      <p:ext uri="{BB962C8B-B14F-4D97-AF65-F5344CB8AC3E}">
+        <p14:creationId xmlns:p14="http://schemas.microsoft.com/office/powerpoint/2010/main" val="1818490233"/>
+      </p:ext>
+    </p:extLst>
+  </p:cSld>
+  <p:clrMapOvr>
+    <a:masterClrMapping/>
+  </p:clrMapOvr>
+</p:sld>
+</file>
+
+<file path=ppt/slides/slide6.xml><?xml version="1.0" encoding="utf-8"?>
+<p:sld xmlns:a="http://schemas.openxmlformats.org/drawingml/2006/main" xmlns:r="http://schemas.openxmlformats.org/officeDocument/2006/relationships" xmlns:p="http://schemas.openxmlformats.org/presentationml/2006/main">
+  <p:cSld>
+    <p:spTree>
+      <p:nvGrpSpPr>
+        <p:cNvPr id="1" name=""/>
+        <p:cNvGrpSpPr/>
+        <p:nvPr/>
+      </p:nvGrpSpPr>
+      <p:grpSpPr>
+        <a:xfrm>
+          <a:off x="0" y="0"/>
+          <a:ext cx="0" cy="0"/>
+          <a:chOff x="0" y="0"/>
+          <a:chExt cx="0" cy="0"/>
+        </a:xfrm>
+      </p:grpSpPr>
+      <p:pic>
+        <p:nvPicPr>
+          <p:cNvPr id="4" name="Picture 3" descr="A person in a suit&#10;&#10;Description automatically generated with medium confidence">
+            <a:extLst>
+              <a:ext uri="{FF2B5EF4-FFF2-40B4-BE49-F238E27FC236}">
+                <a16:creationId xmlns:a16="http://schemas.microsoft.com/office/drawing/2014/main" id="{BD76DB77-C986-5E6B-C960-55A014548A2B}"/>
+              </a:ext>
+            </a:extLst>
+          </p:cNvPr>
+          <p:cNvPicPr>
+            <a:picLocks noChangeAspect="1"/>
+          </p:cNvPicPr>
+          <p:nvPr/>
+        </p:nvPicPr>
+        <p:blipFill rotWithShape="1">
+          <a:blip r:embed="rId2">
+            <a:extLst>
+              <a:ext uri="{28A0092B-C50C-407E-A947-70E740481C1C}">
+                <a14:useLocalDpi xmlns:a14="http://schemas.microsoft.com/office/drawing/2010/main" val="0"/>
+              </a:ext>
+            </a:extLst>
+          </a:blip>
+          <a:srcRect b="24603"/>
+          <a:stretch/>
+        </p:blipFill>
+        <p:spPr>
+          <a:xfrm>
+            <a:off x="215766" y="152599"/>
+            <a:ext cx="3810000" cy="3810000"/>
+          </a:xfrm>
+          <a:prstGeom prst="rect">
+            <a:avLst/>
+          </a:prstGeom>
+        </p:spPr>
+      </p:pic>
+    </p:spTree>
+    <p:extLst>
+      <p:ext uri="{BB962C8B-B14F-4D97-AF65-F5344CB8AC3E}">
+        <p14:creationId xmlns:p14="http://schemas.microsoft.com/office/powerpoint/2010/main" val="3691271417"/>
+      </p:ext>
+    </p:extLst>
+  </p:cSld>
+  <p:clrMapOvr>
+    <a:masterClrMapping/>
+  </p:clrMapOvr>
+</p:sld>
+</file>
+
 <file path=ppt/theme/theme1.xml><?xml version="1.0" encoding="utf-8"?>
 <a:theme xmlns:a="http://schemas.openxmlformats.org/drawingml/2006/main" name="Office Theme">
   <a:themeElements>
